--- a/Fase2/Formato Presentación final.pptx
+++ b/Fase2/Formato Presentación final.pptx
@@ -787,7 +787,7 @@
   <p:cSld>
     <p:spTree>
       <p:nvGrpSpPr>
-        <p:cNvPr id="166" name="Shape 166"/>
+        <p:cNvPr id="167" name="Shape 167"/>
         <p:cNvGrpSpPr/>
         <p:nvPr/>
       </p:nvGrpSpPr>
@@ -801,7 +801,7 @@
       </p:grpSpPr>
       <p:sp>
         <p:nvSpPr>
-          <p:cNvPr id="167" name="Google Shape;167;p10:notes"/>
+          <p:cNvPr id="168" name="Google Shape;168;p10:notes"/>
           <p:cNvSpPr txBox="1"/>
           <p:nvPr>
             <p:ph idx="1" type="body"/>
@@ -840,7 +840,7 @@
       </p:sp>
       <p:sp>
         <p:nvSpPr>
-          <p:cNvPr id="168" name="Google Shape;168;p10:notes"/>
+          <p:cNvPr id="169" name="Google Shape;169;p10:notes"/>
           <p:cNvSpPr/>
           <p:nvPr>
             <p:ph idx="2" type="sldImg"/>
@@ -886,7 +886,7 @@
   <p:cSld>
     <p:spTree>
       <p:nvGrpSpPr>
-        <p:cNvPr id="180" name="Shape 180"/>
+        <p:cNvPr id="181" name="Shape 181"/>
         <p:cNvGrpSpPr/>
         <p:nvPr/>
       </p:nvGrpSpPr>
@@ -900,7 +900,7 @@
       </p:grpSpPr>
       <p:sp>
         <p:nvSpPr>
-          <p:cNvPr id="181" name="Google Shape;181;p11:notes"/>
+          <p:cNvPr id="182" name="Google Shape;182;p11:notes"/>
           <p:cNvSpPr txBox="1"/>
           <p:nvPr>
             <p:ph idx="1" type="body"/>
@@ -939,7 +939,7 @@
       </p:sp>
       <p:sp>
         <p:nvSpPr>
-          <p:cNvPr id="182" name="Google Shape;182;p11:notes"/>
+          <p:cNvPr id="183" name="Google Shape;183;p11:notes"/>
           <p:cNvSpPr/>
           <p:nvPr>
             <p:ph idx="2" type="sldImg"/>
@@ -985,7 +985,7 @@
   <p:cSld>
     <p:spTree>
       <p:nvGrpSpPr>
-        <p:cNvPr id="186" name="Shape 186"/>
+        <p:cNvPr id="187" name="Shape 187"/>
         <p:cNvGrpSpPr/>
         <p:nvPr/>
       </p:nvGrpSpPr>
@@ -999,7 +999,7 @@
       </p:grpSpPr>
       <p:sp>
         <p:nvSpPr>
-          <p:cNvPr id="187" name="Google Shape;187;p12:notes"/>
+          <p:cNvPr id="188" name="Google Shape;188;p12:notes"/>
           <p:cNvSpPr txBox="1"/>
           <p:nvPr>
             <p:ph idx="1" type="body"/>
@@ -1038,7 +1038,7 @@
       </p:sp>
       <p:sp>
         <p:nvSpPr>
-          <p:cNvPr id="188" name="Google Shape;188;p12:notes"/>
+          <p:cNvPr id="189" name="Google Shape;189;p12:notes"/>
           <p:cNvSpPr/>
           <p:nvPr>
             <p:ph idx="2" type="sldImg"/>
@@ -1084,7 +1084,7 @@
   <p:cSld>
     <p:spTree>
       <p:nvGrpSpPr>
-        <p:cNvPr id="192" name="Shape 192"/>
+        <p:cNvPr id="193" name="Shape 193"/>
         <p:cNvGrpSpPr/>
         <p:nvPr/>
       </p:nvGrpSpPr>
@@ -1098,7 +1098,7 @@
       </p:grpSpPr>
       <p:sp>
         <p:nvSpPr>
-          <p:cNvPr id="193" name="Google Shape;193;p13:notes"/>
+          <p:cNvPr id="194" name="Google Shape;194;p13:notes"/>
           <p:cNvSpPr txBox="1"/>
           <p:nvPr>
             <p:ph idx="1" type="body"/>
@@ -1137,7 +1137,7 @@
       </p:sp>
       <p:sp>
         <p:nvSpPr>
-          <p:cNvPr id="194" name="Google Shape;194;p13:notes"/>
+          <p:cNvPr id="195" name="Google Shape;195;p13:notes"/>
           <p:cNvSpPr/>
           <p:nvPr>
             <p:ph idx="2" type="sldImg"/>
@@ -1183,7 +1183,7 @@
   <p:cSld>
     <p:spTree>
       <p:nvGrpSpPr>
-        <p:cNvPr id="198" name="Shape 198"/>
+        <p:cNvPr id="199" name="Shape 199"/>
         <p:cNvGrpSpPr/>
         <p:nvPr/>
       </p:nvGrpSpPr>
@@ -1197,7 +1197,7 @@
       </p:grpSpPr>
       <p:sp>
         <p:nvSpPr>
-          <p:cNvPr id="199" name="Google Shape;199;p14:notes"/>
+          <p:cNvPr id="200" name="Google Shape;200;p14:notes"/>
           <p:cNvSpPr txBox="1"/>
           <p:nvPr>
             <p:ph idx="1" type="body"/>
@@ -1236,7 +1236,7 @@
       </p:sp>
       <p:sp>
         <p:nvSpPr>
-          <p:cNvPr id="200" name="Google Shape;200;p14:notes"/>
+          <p:cNvPr id="201" name="Google Shape;201;p14:notes"/>
           <p:cNvSpPr/>
           <p:nvPr>
             <p:ph idx="2" type="sldImg"/>
@@ -1381,7 +1381,7 @@
   <p:cSld>
     <p:spTree>
       <p:nvGrpSpPr>
-        <p:cNvPr id="98" name="Shape 98"/>
+        <p:cNvPr id="99" name="Shape 99"/>
         <p:cNvGrpSpPr/>
         <p:nvPr/>
       </p:nvGrpSpPr>
@@ -1395,7 +1395,7 @@
       </p:grpSpPr>
       <p:sp>
         <p:nvSpPr>
-          <p:cNvPr id="99" name="Google Shape;99;p3:notes"/>
+          <p:cNvPr id="100" name="Google Shape;100;p3:notes"/>
           <p:cNvSpPr txBox="1"/>
           <p:nvPr>
             <p:ph idx="1" type="body"/>
@@ -1434,7 +1434,7 @@
       </p:sp>
       <p:sp>
         <p:nvSpPr>
-          <p:cNvPr id="100" name="Google Shape;100;p3:notes"/>
+          <p:cNvPr id="101" name="Google Shape;101;p3:notes"/>
           <p:cNvSpPr/>
           <p:nvPr>
             <p:ph idx="2" type="sldImg"/>
@@ -1480,7 +1480,7 @@
   <p:cSld>
     <p:spTree>
       <p:nvGrpSpPr>
-        <p:cNvPr id="109" name="Shape 109"/>
+        <p:cNvPr id="110" name="Shape 110"/>
         <p:cNvGrpSpPr/>
         <p:nvPr/>
       </p:nvGrpSpPr>
@@ -1494,7 +1494,7 @@
       </p:grpSpPr>
       <p:sp>
         <p:nvSpPr>
-          <p:cNvPr id="110" name="Google Shape;110;p4:notes"/>
+          <p:cNvPr id="111" name="Google Shape;111;p4:notes"/>
           <p:cNvSpPr txBox="1"/>
           <p:nvPr>
             <p:ph idx="1" type="body"/>
@@ -1533,7 +1533,7 @@
       </p:sp>
       <p:sp>
         <p:nvSpPr>
-          <p:cNvPr id="111" name="Google Shape;111;p4:notes"/>
+          <p:cNvPr id="112" name="Google Shape;112;p4:notes"/>
           <p:cNvSpPr/>
           <p:nvPr>
             <p:ph idx="2" type="sldImg"/>
@@ -1579,7 +1579,7 @@
   <p:cSld>
     <p:spTree>
       <p:nvGrpSpPr>
-        <p:cNvPr id="120" name="Shape 120"/>
+        <p:cNvPr id="121" name="Shape 121"/>
         <p:cNvGrpSpPr/>
         <p:nvPr/>
       </p:nvGrpSpPr>
@@ -1593,7 +1593,7 @@
       </p:grpSpPr>
       <p:sp>
         <p:nvSpPr>
-          <p:cNvPr id="121" name="Google Shape;121;p5:notes"/>
+          <p:cNvPr id="122" name="Google Shape;122;p5:notes"/>
           <p:cNvSpPr txBox="1"/>
           <p:nvPr>
             <p:ph idx="1" type="body"/>
@@ -1632,7 +1632,7 @@
       </p:sp>
       <p:sp>
         <p:nvSpPr>
-          <p:cNvPr id="122" name="Google Shape;122;p5:notes"/>
+          <p:cNvPr id="123" name="Google Shape;123;p5:notes"/>
           <p:cNvSpPr/>
           <p:nvPr>
             <p:ph idx="2" type="sldImg"/>
@@ -1678,7 +1678,7 @@
   <p:cSld>
     <p:spTree>
       <p:nvGrpSpPr>
-        <p:cNvPr id="130" name="Shape 130"/>
+        <p:cNvPr id="131" name="Shape 131"/>
         <p:cNvGrpSpPr/>
         <p:nvPr/>
       </p:nvGrpSpPr>
@@ -1692,7 +1692,7 @@
       </p:grpSpPr>
       <p:sp>
         <p:nvSpPr>
-          <p:cNvPr id="131" name="Google Shape;131;p6:notes"/>
+          <p:cNvPr id="132" name="Google Shape;132;p6:notes"/>
           <p:cNvSpPr txBox="1"/>
           <p:nvPr>
             <p:ph idx="1" type="body"/>
@@ -1731,7 +1731,7 @@
       </p:sp>
       <p:sp>
         <p:nvSpPr>
-          <p:cNvPr id="132" name="Google Shape;132;p6:notes"/>
+          <p:cNvPr id="133" name="Google Shape;133;p6:notes"/>
           <p:cNvSpPr/>
           <p:nvPr>
             <p:ph idx="2" type="sldImg"/>
@@ -1777,7 +1777,7 @@
   <p:cSld>
     <p:spTree>
       <p:nvGrpSpPr>
-        <p:cNvPr id="139" name="Shape 139"/>
+        <p:cNvPr id="140" name="Shape 140"/>
         <p:cNvGrpSpPr/>
         <p:nvPr/>
       </p:nvGrpSpPr>
@@ -1791,7 +1791,7 @@
       </p:grpSpPr>
       <p:sp>
         <p:nvSpPr>
-          <p:cNvPr id="140" name="Google Shape;140;p7:notes"/>
+          <p:cNvPr id="141" name="Google Shape;141;p7:notes"/>
           <p:cNvSpPr txBox="1"/>
           <p:nvPr>
             <p:ph idx="1" type="body"/>
@@ -1830,7 +1830,7 @@
       </p:sp>
       <p:sp>
         <p:nvSpPr>
-          <p:cNvPr id="141" name="Google Shape;141;p7:notes"/>
+          <p:cNvPr id="142" name="Google Shape;142;p7:notes"/>
           <p:cNvSpPr/>
           <p:nvPr>
             <p:ph idx="2" type="sldImg"/>
@@ -1876,7 +1876,7 @@
   <p:cSld>
     <p:spTree>
       <p:nvGrpSpPr>
-        <p:cNvPr id="148" name="Shape 148"/>
+        <p:cNvPr id="149" name="Shape 149"/>
         <p:cNvGrpSpPr/>
         <p:nvPr/>
       </p:nvGrpSpPr>
@@ -1890,7 +1890,7 @@
       </p:grpSpPr>
       <p:sp>
         <p:nvSpPr>
-          <p:cNvPr id="149" name="Google Shape;149;p8:notes"/>
+          <p:cNvPr id="150" name="Google Shape;150;p8:notes"/>
           <p:cNvSpPr txBox="1"/>
           <p:nvPr>
             <p:ph idx="1" type="body"/>
@@ -1929,7 +1929,7 @@
       </p:sp>
       <p:sp>
         <p:nvSpPr>
-          <p:cNvPr id="150" name="Google Shape;150;p8:notes"/>
+          <p:cNvPr id="151" name="Google Shape;151;p8:notes"/>
           <p:cNvSpPr/>
           <p:nvPr>
             <p:ph idx="2" type="sldImg"/>
@@ -1975,7 +1975,7 @@
   <p:cSld>
     <p:spTree>
       <p:nvGrpSpPr>
-        <p:cNvPr id="157" name="Shape 157"/>
+        <p:cNvPr id="158" name="Shape 158"/>
         <p:cNvGrpSpPr/>
         <p:nvPr/>
       </p:nvGrpSpPr>
@@ -1989,7 +1989,7 @@
       </p:grpSpPr>
       <p:sp>
         <p:nvSpPr>
-          <p:cNvPr id="158" name="Google Shape;158;p9:notes"/>
+          <p:cNvPr id="159" name="Google Shape;159;p9:notes"/>
           <p:cNvSpPr txBox="1"/>
           <p:nvPr>
             <p:ph idx="1" type="body"/>
@@ -2028,7 +2028,7 @@
       </p:sp>
       <p:sp>
         <p:nvSpPr>
-          <p:cNvPr id="159" name="Google Shape;159;p9:notes"/>
+          <p:cNvPr id="160" name="Google Shape;160;p9:notes"/>
           <p:cNvSpPr/>
           <p:nvPr>
             <p:ph idx="2" type="sldImg"/>
@@ -12119,7 +12119,7 @@
         </p:nvSpPr>
         <p:spPr>
           <a:xfrm>
-            <a:off x="1" y="2707792"/>
+            <a:off x="40126" y="2707792"/>
             <a:ext cx="12192000" cy="1139100"/>
           </a:xfrm>
           <a:prstGeom prst="rect">
@@ -12230,7 +12230,7 @@
   <p:cSld>
     <p:spTree>
       <p:nvGrpSpPr>
-        <p:cNvPr id="169" name="Shape 169"/>
+        <p:cNvPr id="170" name="Shape 170"/>
         <p:cNvGrpSpPr/>
         <p:nvPr/>
       </p:nvGrpSpPr>
@@ -12244,7 +12244,7 @@
       </p:grpSpPr>
       <p:pic>
         <p:nvPicPr>
-          <p:cNvPr descr="EscuelaIT Duoc UC - Escuela de Informática y Telecomunicaciones Duoc UC - Duoc  UC | LinkedIn" id="170" name="Google Shape;170;p22"/>
+          <p:cNvPr descr="EscuelaIT Duoc UC - Escuela de Informática y Telecomunicaciones Duoc UC - Duoc  UC | LinkedIn" id="171" name="Google Shape;171;p22"/>
           <p:cNvPicPr preferRelativeResize="0"/>
           <p:nvPr/>
         </p:nvPicPr>
@@ -12271,7 +12271,7 @@
       </p:pic>
       <p:sp>
         <p:nvSpPr>
-          <p:cNvPr id="171" name="Google Shape;171;p22"/>
+          <p:cNvPr id="172" name="Google Shape;172;p22"/>
           <p:cNvSpPr txBox="1"/>
           <p:nvPr/>
         </p:nvSpPr>
@@ -12325,7 +12325,7 @@
       </p:sp>
       <p:sp>
         <p:nvSpPr>
-          <p:cNvPr id="172" name="Google Shape;172;p22"/>
+          <p:cNvPr id="173" name="Google Shape;173;p22"/>
           <p:cNvSpPr txBox="1"/>
           <p:nvPr/>
         </p:nvSpPr>
@@ -12375,7 +12375,7 @@
       </p:sp>
       <p:cxnSp>
         <p:nvCxnSpPr>
-          <p:cNvPr id="173" name="Google Shape;173;p22"/>
+          <p:cNvPr id="174" name="Google Shape;174;p22"/>
           <p:cNvCxnSpPr/>
           <p:nvPr/>
         </p:nvCxnSpPr>
@@ -12401,7 +12401,7 @@
       </p:cxnSp>
       <p:sp>
         <p:nvSpPr>
-          <p:cNvPr id="174" name="Google Shape;174;p22"/>
+          <p:cNvPr id="175" name="Google Shape;175;p22"/>
           <p:cNvSpPr txBox="1"/>
           <p:nvPr/>
         </p:nvSpPr>
@@ -12680,7 +12680,7 @@
       </p:sp>
       <p:pic>
         <p:nvPicPr>
-          <p:cNvPr id="175" name="Google Shape;175;p22"/>
+          <p:cNvPr id="176" name="Google Shape;176;p22"/>
           <p:cNvPicPr preferRelativeResize="0"/>
           <p:nvPr/>
         </p:nvPicPr>
@@ -12708,7 +12708,7 @@
       </p:pic>
       <p:pic>
         <p:nvPicPr>
-          <p:cNvPr id="176" name="Google Shape;176;p22"/>
+          <p:cNvPr id="177" name="Google Shape;177;p22"/>
           <p:cNvPicPr preferRelativeResize="0"/>
           <p:nvPr/>
         </p:nvPicPr>
@@ -12736,7 +12736,7 @@
       </p:pic>
       <p:pic>
         <p:nvPicPr>
-          <p:cNvPr id="177" name="Google Shape;177;p22"/>
+          <p:cNvPr id="178" name="Google Shape;178;p22"/>
           <p:cNvPicPr preferRelativeResize="0"/>
           <p:nvPr/>
         </p:nvPicPr>
@@ -12764,7 +12764,7 @@
       </p:pic>
       <p:pic>
         <p:nvPicPr>
-          <p:cNvPr id="178" name="Google Shape;178;p22"/>
+          <p:cNvPr id="179" name="Google Shape;179;p22"/>
           <p:cNvPicPr preferRelativeResize="0"/>
           <p:nvPr/>
         </p:nvPicPr>
@@ -12792,7 +12792,7 @@
       </p:pic>
       <p:pic>
         <p:nvPicPr>
-          <p:cNvPr id="179" name="Google Shape;179;p22"/>
+          <p:cNvPr id="180" name="Google Shape;180;p22"/>
           <p:cNvPicPr preferRelativeResize="0"/>
           <p:nvPr/>
         </p:nvPicPr>
@@ -12831,7 +12831,7 @@
   <p:cSld>
     <p:spTree>
       <p:nvGrpSpPr>
-        <p:cNvPr id="183" name="Shape 183"/>
+        <p:cNvPr id="184" name="Shape 184"/>
         <p:cNvGrpSpPr/>
         <p:nvPr/>
       </p:nvGrpSpPr>
@@ -12845,7 +12845,7 @@
       </p:grpSpPr>
       <p:pic>
         <p:nvPicPr>
-          <p:cNvPr descr="EscuelaIT Duoc UC - Escuela de Informática y Telecomunicaciones Duoc UC - Duoc  UC | LinkedIn" id="184" name="Google Shape;184;p23"/>
+          <p:cNvPr descr="EscuelaIT Duoc UC - Escuela de Informática y Telecomunicaciones Duoc UC - Duoc  UC | LinkedIn" id="185" name="Google Shape;185;p23"/>
           <p:cNvPicPr preferRelativeResize="0"/>
           <p:nvPr/>
         </p:nvPicPr>
@@ -12872,7 +12872,7 @@
       </p:pic>
       <p:sp>
         <p:nvSpPr>
-          <p:cNvPr id="185" name="Google Shape;185;p23"/>
+          <p:cNvPr id="186" name="Google Shape;186;p23"/>
           <p:cNvSpPr txBox="1"/>
           <p:nvPr/>
         </p:nvSpPr>
@@ -12965,7 +12965,7 @@
   <p:cSld>
     <p:spTree>
       <p:nvGrpSpPr>
-        <p:cNvPr id="189" name="Shape 189"/>
+        <p:cNvPr id="190" name="Shape 190"/>
         <p:cNvGrpSpPr/>
         <p:nvPr/>
       </p:nvGrpSpPr>
@@ -12979,7 +12979,7 @@
       </p:grpSpPr>
       <p:pic>
         <p:nvPicPr>
-          <p:cNvPr descr="EscuelaIT Duoc UC - Escuela de Informática y Telecomunicaciones Duoc UC - Duoc  UC | LinkedIn" id="190" name="Google Shape;190;p24"/>
+          <p:cNvPr descr="EscuelaIT Duoc UC - Escuela de Informática y Telecomunicaciones Duoc UC - Duoc  UC | LinkedIn" id="191" name="Google Shape;191;p24"/>
           <p:cNvPicPr preferRelativeResize="0"/>
           <p:nvPr/>
         </p:nvPicPr>
@@ -13006,7 +13006,7 @@
       </p:pic>
       <p:sp>
         <p:nvSpPr>
-          <p:cNvPr id="191" name="Google Shape;191;p24"/>
+          <p:cNvPr id="192" name="Google Shape;192;p24"/>
           <p:cNvSpPr txBox="1"/>
           <p:nvPr/>
         </p:nvSpPr>
@@ -13067,7 +13067,7 @@
   <p:cSld>
     <p:spTree>
       <p:nvGrpSpPr>
-        <p:cNvPr id="195" name="Shape 195"/>
+        <p:cNvPr id="196" name="Shape 196"/>
         <p:cNvGrpSpPr/>
         <p:nvPr/>
       </p:nvGrpSpPr>
@@ -13081,7 +13081,7 @@
       </p:grpSpPr>
       <p:pic>
         <p:nvPicPr>
-          <p:cNvPr descr="EscuelaIT Duoc UC - Escuela de Informática y Telecomunicaciones Duoc UC - Duoc  UC | LinkedIn" id="196" name="Google Shape;196;p25"/>
+          <p:cNvPr descr="EscuelaIT Duoc UC - Escuela de Informática y Telecomunicaciones Duoc UC - Duoc  UC | LinkedIn" id="197" name="Google Shape;197;p25"/>
           <p:cNvPicPr preferRelativeResize="0"/>
           <p:nvPr/>
         </p:nvPicPr>
@@ -13108,7 +13108,7 @@
       </p:pic>
       <p:sp>
         <p:nvSpPr>
-          <p:cNvPr id="197" name="Google Shape;197;p25"/>
+          <p:cNvPr id="198" name="Google Shape;198;p25"/>
           <p:cNvSpPr txBox="1"/>
           <p:nvPr/>
         </p:nvSpPr>
@@ -13169,7 +13169,7 @@
   <p:cSld>
     <p:spTree>
       <p:nvGrpSpPr>
-        <p:cNvPr id="201" name="Shape 201"/>
+        <p:cNvPr id="202" name="Shape 202"/>
         <p:cNvGrpSpPr/>
         <p:nvPr/>
       </p:nvGrpSpPr>
@@ -13183,7 +13183,7 @@
       </p:grpSpPr>
       <p:pic>
         <p:nvPicPr>
-          <p:cNvPr descr="EscuelaIT Duoc UC - Escuela de Informática y Telecomunicaciones Duoc UC - Duoc  UC | LinkedIn" id="202" name="Google Shape;202;p26"/>
+          <p:cNvPr descr="EscuelaIT Duoc UC - Escuela de Informática y Telecomunicaciones Duoc UC - Duoc  UC | LinkedIn" id="203" name="Google Shape;203;p26"/>
           <p:cNvPicPr preferRelativeResize="0"/>
           <p:nvPr/>
         </p:nvPicPr>
@@ -13210,7 +13210,7 @@
       </p:pic>
       <p:sp>
         <p:nvSpPr>
-          <p:cNvPr id="203" name="Google Shape;203;p26"/>
+          <p:cNvPr id="204" name="Google Shape;204;p26"/>
           <p:cNvSpPr txBox="1"/>
           <p:nvPr/>
         </p:nvSpPr>
@@ -13319,7 +13319,7 @@
         <p:spPr>
           <a:xfrm>
             <a:off x="136188" y="368928"/>
-            <a:ext cx="12191999" cy="369332"/>
+            <a:ext cx="12192000" cy="369300"/>
           </a:xfrm>
           <a:prstGeom prst="rect">
             <a:avLst/>
@@ -13358,7 +13358,7 @@
                 <a:cs typeface="Calibri"/>
                 <a:sym typeface="Calibri"/>
               </a:rPr>
-              <a:t>PROYECTO “Meals”</a:t>
+              <a:t>PROYECTO “FitMeal”</a:t>
             </a:r>
             <a:endParaRPr/>
           </a:p>
@@ -13617,7 +13617,7 @@
                   <a:cs typeface="Calibri"/>
                   <a:sym typeface="Calibri"/>
                 </a:rPr>
-                <a:t>Scrum master, Desarrollador, QA, Diseñador.</a:t>
+                <a:t>Scrum master, Desarrollador, QA, Diseñador. </a:t>
               </a:r>
               <a:endParaRPr b="0" i="0" sz="2000" u="none" cap="none" strike="noStrike">
                 <a:solidFill>
@@ -13684,6 +13684,43 @@
           </p:txBody>
         </p:sp>
       </p:grpSp>
+      <p:pic>
+        <p:nvPicPr>
+          <p:cNvPr id="98" name="Google Shape;98;p14" title="Nicolas-Garces-Profile-250px-gmail-wrike.jpg"/>
+          <p:cNvPicPr preferRelativeResize="0"/>
+          <p:nvPr/>
+        </p:nvPicPr>
+        <p:blipFill>
+          <a:blip r:embed="rId4">
+            <a:alphaModFix/>
+          </a:blip>
+          <a:stretch>
+            <a:fillRect/>
+          </a:stretch>
+        </p:blipFill>
+        <p:spPr>
+          <a:xfrm>
+            <a:off x="4664250" y="3207700"/>
+            <a:ext cx="902175" cy="902175"/>
+          </a:xfrm>
+          <a:prstGeom prst="rect">
+            <a:avLst/>
+          </a:prstGeom>
+          <a:solidFill>
+            <a:srgbClr val="C3D4EB"/>
+          </a:solidFill>
+          <a:ln>
+            <a:noFill/>
+          </a:ln>
+          <a:effectLst>
+            <a:outerShdw blurRad="57150" rotWithShape="0" algn="ctr" dir="5400000" dist="19050">
+              <a:srgbClr val="000000">
+                <a:alpha val="62750"/>
+              </a:srgbClr>
+            </a:outerShdw>
+          </a:effectLst>
+        </p:spPr>
+      </p:pic>
     </p:spTree>
   </p:cSld>
   <p:clrMapOvr>
@@ -13697,7 +13734,7 @@
   <p:cSld>
     <p:spTree>
       <p:nvGrpSpPr>
-        <p:cNvPr id="101" name="Shape 101"/>
+        <p:cNvPr id="102" name="Shape 102"/>
         <p:cNvGrpSpPr/>
         <p:nvPr/>
       </p:nvGrpSpPr>
@@ -13711,7 +13748,7 @@
       </p:grpSpPr>
       <p:pic>
         <p:nvPicPr>
-          <p:cNvPr descr="EscuelaIT Duoc UC - Escuela de Informática y Telecomunicaciones Duoc UC - Duoc  UC | LinkedIn" id="102" name="Google Shape;102;p15"/>
+          <p:cNvPr descr="EscuelaIT Duoc UC - Escuela de Informática y Telecomunicaciones Duoc UC - Duoc  UC | LinkedIn" id="103" name="Google Shape;103;p15"/>
           <p:cNvPicPr preferRelativeResize="0"/>
           <p:nvPr/>
         </p:nvPicPr>
@@ -13738,7 +13775,7 @@
       </p:pic>
       <p:sp>
         <p:nvSpPr>
-          <p:cNvPr id="103" name="Google Shape;103;p15"/>
+          <p:cNvPr id="104" name="Google Shape;104;p15"/>
           <p:cNvSpPr txBox="1"/>
           <p:nvPr/>
         </p:nvSpPr>
@@ -13784,7 +13821,7 @@
                 <a:cs typeface="Calibri"/>
                 <a:sym typeface="Calibri"/>
               </a:rPr>
-              <a:t>PROYECTO “Meals”</a:t>
+              <a:t>PROYECTO “FitMeal”</a:t>
             </a:r>
             <a:endParaRPr/>
           </a:p>
@@ -13792,7 +13829,7 @@
       </p:sp>
       <p:sp>
         <p:nvSpPr>
-          <p:cNvPr id="104" name="Google Shape;104;p15"/>
+          <p:cNvPr id="105" name="Google Shape;105;p15"/>
           <p:cNvSpPr txBox="1"/>
           <p:nvPr/>
         </p:nvSpPr>
@@ -13850,7 +13887,7 @@
       </p:sp>
       <p:cxnSp>
         <p:nvCxnSpPr>
-          <p:cNvPr id="105" name="Google Shape;105;p15"/>
+          <p:cNvPr id="106" name="Google Shape;106;p15"/>
           <p:cNvCxnSpPr/>
           <p:nvPr/>
         </p:nvCxnSpPr>
@@ -13876,7 +13913,7 @@
       </p:cxnSp>
       <p:sp>
         <p:nvSpPr>
-          <p:cNvPr id="106" name="Google Shape;106;p15"/>
+          <p:cNvPr id="107" name="Google Shape;107;p15"/>
           <p:cNvSpPr/>
           <p:nvPr/>
         </p:nvSpPr>
@@ -14015,7 +14052,7 @@
       </p:sp>
       <p:sp>
         <p:nvSpPr>
-          <p:cNvPr id="107" name="Google Shape;107;p15"/>
+          <p:cNvPr id="108" name="Google Shape;108;p15"/>
           <p:cNvSpPr/>
           <p:nvPr/>
         </p:nvSpPr>
@@ -14345,7 +14382,7 @@
       </p:sp>
       <p:sp>
         <p:nvSpPr>
-          <p:cNvPr id="108" name="Google Shape;108;p15"/>
+          <p:cNvPr id="109" name="Google Shape;109;p15"/>
           <p:cNvSpPr/>
           <p:nvPr/>
         </p:nvSpPr>
@@ -14442,7 +14479,7 @@
                                           </p:stCondLst>
                                         </p:cTn>
                                         <p:tgtEl>
-                                          <p:spTgt spid="106"/>
+                                          <p:spTgt spid="107"/>
                                         </p:tgtEl>
                                         <p:attrNameLst>
                                           <p:attrName>style.visibility</p:attrName>
@@ -14456,7 +14493,7 @@
                                       <p:cBhvr>
                                         <p:cTn dur="500"/>
                                         <p:tgtEl>
-                                          <p:spTgt spid="106"/>
+                                          <p:spTgt spid="107"/>
                                         </p:tgtEl>
                                       </p:cBhvr>
                                     </p:animEffect>
@@ -14495,7 +14532,7 @@
                                           </p:stCondLst>
                                         </p:cTn>
                                         <p:tgtEl>
-                                          <p:spTgt spid="108"/>
+                                          <p:spTgt spid="109"/>
                                         </p:tgtEl>
                                         <p:attrNameLst>
                                           <p:attrName>style.visibility</p:attrName>
@@ -14509,7 +14546,7 @@
                                       <p:cBhvr>
                                         <p:cTn dur="500"/>
                                         <p:tgtEl>
-                                          <p:spTgt spid="108"/>
+                                          <p:spTgt spid="109"/>
                                         </p:tgtEl>
                                       </p:cBhvr>
                                     </p:animEffect>
@@ -14530,7 +14567,7 @@
                                           </p:stCondLst>
                                         </p:cTn>
                                         <p:tgtEl>
-                                          <p:spTgt spid="107"/>
+                                          <p:spTgt spid="108"/>
                                         </p:tgtEl>
                                         <p:attrNameLst>
                                           <p:attrName>style.visibility</p:attrName>
@@ -14544,7 +14581,7 @@
                                       <p:cBhvr>
                                         <p:cTn dur="500"/>
                                         <p:tgtEl>
-                                          <p:spTgt spid="107"/>
+                                          <p:spTgt spid="108"/>
                                         </p:tgtEl>
                                       </p:cBhvr>
                                     </p:animEffect>
@@ -14587,7 +14624,7 @@
   <p:cSld>
     <p:spTree>
       <p:nvGrpSpPr>
-        <p:cNvPr id="112" name="Shape 112"/>
+        <p:cNvPr id="113" name="Shape 113"/>
         <p:cNvGrpSpPr/>
         <p:nvPr/>
       </p:nvGrpSpPr>
@@ -14601,7 +14638,7 @@
       </p:grpSpPr>
       <p:pic>
         <p:nvPicPr>
-          <p:cNvPr descr="EscuelaIT Duoc UC - Escuela de Informática y Telecomunicaciones Duoc UC - Duoc  UC | LinkedIn" id="113" name="Google Shape;113;p16"/>
+          <p:cNvPr descr="EscuelaIT Duoc UC - Escuela de Informática y Telecomunicaciones Duoc UC - Duoc  UC | LinkedIn" id="114" name="Google Shape;114;p16"/>
           <p:cNvPicPr preferRelativeResize="0"/>
           <p:nvPr/>
         </p:nvPicPr>
@@ -14628,7 +14665,7 @@
       </p:pic>
       <p:sp>
         <p:nvSpPr>
-          <p:cNvPr id="114" name="Google Shape;114;p16"/>
+          <p:cNvPr id="115" name="Google Shape;115;p16"/>
           <p:cNvSpPr txBox="1"/>
           <p:nvPr/>
         </p:nvSpPr>
@@ -14670,7 +14707,31 @@
                 <a:cs typeface="Calibri"/>
                 <a:sym typeface="Calibri"/>
               </a:rPr>
-              <a:t>PROYECTO “Meals”</a:t>
+              <a:t>PROYECTO “</a:t>
+            </a:r>
+            <a:r>
+              <a:rPr lang="es-MX" sz="1800">
+                <a:solidFill>
+                  <a:srgbClr val="757070"/>
+                </a:solidFill>
+                <a:latin typeface="Calibri"/>
+                <a:ea typeface="Calibri"/>
+                <a:cs typeface="Calibri"/>
+                <a:sym typeface="Calibri"/>
+              </a:rPr>
+              <a:t>FitMeal</a:t>
+            </a:r>
+            <a:r>
+              <a:rPr lang="es-MX" sz="1800">
+                <a:solidFill>
+                  <a:srgbClr val="757070"/>
+                </a:solidFill>
+                <a:latin typeface="Calibri"/>
+                <a:ea typeface="Calibri"/>
+                <a:cs typeface="Calibri"/>
+                <a:sym typeface="Calibri"/>
+              </a:rPr>
+              <a:t>”</a:t>
             </a:r>
             <a:endParaRPr/>
           </a:p>
@@ -14678,14 +14739,14 @@
       </p:sp>
       <p:sp>
         <p:nvSpPr>
-          <p:cNvPr id="115" name="Google Shape;115;p16"/>
+          <p:cNvPr id="116" name="Google Shape;116;p16"/>
           <p:cNvSpPr txBox="1"/>
           <p:nvPr/>
         </p:nvSpPr>
         <p:spPr>
           <a:xfrm>
-            <a:off x="0" y="1384304"/>
-            <a:ext cx="12191999" cy="646331"/>
+            <a:off x="0" y="967279"/>
+            <a:ext cx="12192000" cy="646500"/>
           </a:xfrm>
           <a:prstGeom prst="rect">
             <a:avLst/>
@@ -14736,7 +14797,7 @@
       </p:sp>
       <p:cxnSp>
         <p:nvCxnSpPr>
-          <p:cNvPr id="116" name="Google Shape;116;p16"/>
+          <p:cNvPr id="117" name="Google Shape;117;p16"/>
           <p:cNvCxnSpPr/>
           <p:nvPr/>
         </p:nvCxnSpPr>
@@ -14762,13 +14823,13 @@
       </p:cxnSp>
       <p:sp>
         <p:nvSpPr>
-          <p:cNvPr id="117" name="Google Shape;117;p16"/>
+          <p:cNvPr id="118" name="Google Shape;118;p16"/>
           <p:cNvSpPr txBox="1"/>
           <p:nvPr/>
         </p:nvSpPr>
         <p:spPr>
           <a:xfrm>
-            <a:off x="1" y="3840596"/>
+            <a:off x="1" y="3423571"/>
             <a:ext cx="12192000" cy="646500"/>
           </a:xfrm>
           <a:prstGeom prst="rect">
@@ -14820,13 +14881,13 @@
       </p:sp>
       <p:sp>
         <p:nvSpPr>
-          <p:cNvPr id="118" name="Google Shape;118;p16"/>
+          <p:cNvPr id="119" name="Google Shape;119;p16"/>
           <p:cNvSpPr/>
           <p:nvPr/>
         </p:nvSpPr>
         <p:spPr>
           <a:xfrm>
-            <a:off x="614515" y="2040571"/>
+            <a:off x="614515" y="1623546"/>
             <a:ext cx="10962900" cy="1575300"/>
           </a:xfrm>
           <a:prstGeom prst="roundRect">
@@ -14888,13 +14949,13 @@
       </p:sp>
       <p:sp>
         <p:nvSpPr>
-          <p:cNvPr id="119" name="Google Shape;119;p16"/>
+          <p:cNvPr id="120" name="Google Shape;120;p16"/>
           <p:cNvSpPr/>
           <p:nvPr/>
         </p:nvSpPr>
         <p:spPr>
           <a:xfrm>
-            <a:off x="614525" y="4529950"/>
+            <a:off x="614525" y="4112925"/>
             <a:ext cx="10962900" cy="1777800"/>
           </a:xfrm>
           <a:prstGeom prst="roundRect">
@@ -15146,7 +15207,7 @@
                                           </p:stCondLst>
                                         </p:cTn>
                                         <p:tgtEl>
-                                          <p:spTgt spid="117"/>
+                                          <p:spTgt spid="118"/>
                                         </p:tgtEl>
                                         <p:attrNameLst>
                                           <p:attrName>style.visibility</p:attrName>
@@ -15160,7 +15221,7 @@
                                       <p:cBhvr>
                                         <p:cTn dur="500"/>
                                         <p:tgtEl>
-                                          <p:spTgt spid="117"/>
+                                          <p:spTgt spid="118"/>
                                         </p:tgtEl>
                                       </p:cBhvr>
                                     </p:animEffect>
@@ -15181,7 +15242,7 @@
                                           </p:stCondLst>
                                         </p:cTn>
                                         <p:tgtEl>
-                                          <p:spTgt spid="119"/>
+                                          <p:spTgt spid="120"/>
                                         </p:tgtEl>
                                         <p:attrNameLst>
                                           <p:attrName>style.visibility</p:attrName>
@@ -15195,7 +15256,7 @@
                                       <p:cBhvr>
                                         <p:cTn dur="500"/>
                                         <p:tgtEl>
-                                          <p:spTgt spid="119"/>
+                                          <p:spTgt spid="120"/>
                                         </p:tgtEl>
                                       </p:cBhvr>
                                     </p:animEffect>
@@ -15238,7 +15299,7 @@
   <p:cSld>
     <p:spTree>
       <p:nvGrpSpPr>
-        <p:cNvPr id="123" name="Shape 123"/>
+        <p:cNvPr id="124" name="Shape 124"/>
         <p:cNvGrpSpPr/>
         <p:nvPr/>
       </p:nvGrpSpPr>
@@ -15252,7 +15313,7 @@
       </p:grpSpPr>
       <p:pic>
         <p:nvPicPr>
-          <p:cNvPr descr="EscuelaIT Duoc UC - Escuela de Informática y Telecomunicaciones Duoc UC - Duoc  UC | LinkedIn" id="124" name="Google Shape;124;p17"/>
+          <p:cNvPr descr="EscuelaIT Duoc UC - Escuela de Informática y Telecomunicaciones Duoc UC - Duoc  UC | LinkedIn" id="125" name="Google Shape;125;p17"/>
           <p:cNvPicPr preferRelativeResize="0"/>
           <p:nvPr/>
         </p:nvPicPr>
@@ -15279,7 +15340,7 @@
       </p:pic>
       <p:sp>
         <p:nvSpPr>
-          <p:cNvPr id="125" name="Google Shape;125;p17"/>
+          <p:cNvPr id="126" name="Google Shape;126;p17"/>
           <p:cNvSpPr txBox="1"/>
           <p:nvPr/>
         </p:nvSpPr>
@@ -15333,7 +15394,7 @@
                 <a:cs typeface="Calibri"/>
                 <a:sym typeface="Calibri"/>
               </a:rPr>
-              <a:t>Meals</a:t>
+              <a:t>FitMeal</a:t>
             </a:r>
             <a:r>
               <a:rPr lang="es-MX" sz="1800">
@@ -15353,7 +15414,7 @@
       </p:sp>
       <p:sp>
         <p:nvSpPr>
-          <p:cNvPr id="126" name="Google Shape;126;p17"/>
+          <p:cNvPr id="127" name="Google Shape;127;p17"/>
           <p:cNvSpPr txBox="1"/>
           <p:nvPr/>
         </p:nvSpPr>
@@ -15403,7 +15464,7 @@
       </p:sp>
       <p:cxnSp>
         <p:nvCxnSpPr>
-          <p:cNvPr id="127" name="Google Shape;127;p17"/>
+          <p:cNvPr id="128" name="Google Shape;128;p17"/>
           <p:cNvCxnSpPr/>
           <p:nvPr/>
         </p:nvCxnSpPr>
@@ -15429,7 +15490,7 @@
       </p:cxnSp>
       <p:sp>
         <p:nvSpPr>
-          <p:cNvPr id="128" name="Google Shape;128;p17"/>
+          <p:cNvPr id="129" name="Google Shape;129;p17"/>
           <p:cNvSpPr/>
           <p:nvPr/>
         </p:nvSpPr>
@@ -15706,7 +15767,7 @@
       </p:sp>
       <p:sp>
         <p:nvSpPr>
-          <p:cNvPr id="129" name="Google Shape;129;p17"/>
+          <p:cNvPr id="130" name="Google Shape;130;p17"/>
           <p:cNvSpPr/>
           <p:nvPr/>
         </p:nvSpPr>
@@ -15814,6 +15875,77 @@
             </a:endParaRPr>
           </a:p>
           <a:p>
+            <a:pPr indent="-342900" lvl="0" marL="457200" rtl="0" algn="l">
+              <a:lnSpc>
+                <a:spcPct val="115000"/>
+              </a:lnSpc>
+              <a:spcBef>
+                <a:spcPts val="0"/>
+              </a:spcBef>
+              <a:spcAft>
+                <a:spcPts val="0"/>
+              </a:spcAft>
+              <a:buClr>
+                <a:schemeClr val="dk1"/>
+              </a:buClr>
+              <a:buSzPts val="1800"/>
+              <a:buFont typeface="Calibri"/>
+              <a:buChar char="-"/>
+            </a:pPr>
+            <a:r>
+              <a:rPr lang="es-MX" sz="1800">
+                <a:solidFill>
+                  <a:schemeClr val="dk1"/>
+                </a:solidFill>
+                <a:latin typeface="Calibri"/>
+                <a:ea typeface="Calibri"/>
+                <a:cs typeface="Calibri"/>
+                <a:sym typeface="Calibri"/>
+              </a:rPr>
+              <a:t>No tener ingredientes.</a:t>
+            </a:r>
+            <a:endParaRPr sz="1800">
+              <a:solidFill>
+                <a:schemeClr val="dk1"/>
+              </a:solidFill>
+              <a:latin typeface="Calibri"/>
+              <a:ea typeface="Calibri"/>
+              <a:cs typeface="Calibri"/>
+              <a:sym typeface="Calibri"/>
+            </a:endParaRPr>
+          </a:p>
+          <a:p>
+            <a:pPr indent="-342900" lvl="0" marL="457200" rtl="0" algn="l">
+              <a:lnSpc>
+                <a:spcPct val="115000"/>
+              </a:lnSpc>
+              <a:spcBef>
+                <a:spcPts val="0"/>
+              </a:spcBef>
+              <a:spcAft>
+                <a:spcPts val="0"/>
+              </a:spcAft>
+              <a:buClr>
+                <a:schemeClr val="dk1"/>
+              </a:buClr>
+              <a:buSzPts val="1800"/>
+              <a:buFont typeface="Calibri"/>
+              <a:buChar char="-"/>
+            </a:pPr>
+            <a:r>
+              <a:t/>
+            </a:r>
+            <a:endParaRPr sz="1800">
+              <a:solidFill>
+                <a:schemeClr val="dk1"/>
+              </a:solidFill>
+              <a:latin typeface="Calibri"/>
+              <a:ea typeface="Calibri"/>
+              <a:cs typeface="Calibri"/>
+              <a:sym typeface="Calibri"/>
+            </a:endParaRPr>
+          </a:p>
+          <a:p>
             <a:pPr indent="0" lvl="0" marL="457200" rtl="0" algn="l">
               <a:spcBef>
                 <a:spcPts val="0"/>
@@ -15851,7 +15983,7 @@
   <p:cSld>
     <p:spTree>
       <p:nvGrpSpPr>
-        <p:cNvPr id="133" name="Shape 133"/>
+        <p:cNvPr id="134" name="Shape 134"/>
         <p:cNvGrpSpPr/>
         <p:nvPr/>
       </p:nvGrpSpPr>
@@ -15865,7 +15997,7 @@
       </p:grpSpPr>
       <p:pic>
         <p:nvPicPr>
-          <p:cNvPr descr="EscuelaIT Duoc UC - Escuela de Informática y Telecomunicaciones Duoc UC - Duoc  UC | LinkedIn" id="134" name="Google Shape;134;p18"/>
+          <p:cNvPr descr="EscuelaIT Duoc UC - Escuela de Informática y Telecomunicaciones Duoc UC - Duoc  UC | LinkedIn" id="135" name="Google Shape;135;p18"/>
           <p:cNvPicPr preferRelativeResize="0"/>
           <p:nvPr/>
         </p:nvPicPr>
@@ -15892,7 +16024,7 @@
       </p:pic>
       <p:sp>
         <p:nvSpPr>
-          <p:cNvPr id="135" name="Google Shape;135;p18"/>
+          <p:cNvPr id="136" name="Google Shape;136;p18"/>
           <p:cNvSpPr txBox="1"/>
           <p:nvPr/>
         </p:nvSpPr>
@@ -15938,7 +16070,7 @@
                 <a:cs typeface="Calibri"/>
                 <a:sym typeface="Calibri"/>
               </a:rPr>
-              <a:t>PROYECTO “Meals”</a:t>
+              <a:t>PROYECTO “FitMeal”</a:t>
             </a:r>
             <a:endParaRPr/>
           </a:p>
@@ -15946,7 +16078,7 @@
       </p:sp>
       <p:sp>
         <p:nvSpPr>
-          <p:cNvPr id="136" name="Google Shape;136;p18"/>
+          <p:cNvPr id="137" name="Google Shape;137;p18"/>
           <p:cNvSpPr txBox="1"/>
           <p:nvPr/>
         </p:nvSpPr>
@@ -16004,7 +16136,7 @@
       </p:sp>
       <p:cxnSp>
         <p:nvCxnSpPr>
-          <p:cNvPr id="137" name="Google Shape;137;p18"/>
+          <p:cNvPr id="138" name="Google Shape;138;p18"/>
           <p:cNvCxnSpPr/>
           <p:nvPr/>
         </p:nvCxnSpPr>
@@ -16030,7 +16162,7 @@
       </p:cxnSp>
       <p:sp>
         <p:nvSpPr>
-          <p:cNvPr id="138" name="Google Shape;138;p18"/>
+          <p:cNvPr id="139" name="Google Shape;139;p18"/>
           <p:cNvSpPr txBox="1"/>
           <p:nvPr/>
         </p:nvSpPr>
@@ -16187,7 +16319,7 @@
                 <a:cs typeface="Calibri"/>
                 <a:sym typeface="Calibri"/>
               </a:rPr>
-              <a:t>Sprints semanales desde septiembre a diciembre 2025.</a:t>
+              <a:t>Sprints cada dos semanas desde septiembre a diciembre 2025.</a:t>
             </a:r>
             <a:endParaRPr sz="1800">
               <a:solidFill>
@@ -16261,7 +16393,7 @@
                 <a:cs typeface="Calibri"/>
                 <a:sym typeface="Calibri"/>
               </a:rPr>
-              <a:t>Reuniones de revisión y retrospectiva.</a:t>
+              <a:t>Reuniones de revisión, refinamiento y retrospectiva.</a:t>
             </a:r>
             <a:endParaRPr sz="1800">
               <a:solidFill>
@@ -16325,7 +16457,7 @@
   <p:cSld>
     <p:spTree>
       <p:nvGrpSpPr>
-        <p:cNvPr id="142" name="Shape 142"/>
+        <p:cNvPr id="143" name="Shape 143"/>
         <p:cNvGrpSpPr/>
         <p:nvPr/>
       </p:nvGrpSpPr>
@@ -16339,7 +16471,7 @@
       </p:grpSpPr>
       <p:pic>
         <p:nvPicPr>
-          <p:cNvPr descr="EscuelaIT Duoc UC - Escuela de Informática y Telecomunicaciones Duoc UC - Duoc  UC | LinkedIn" id="143" name="Google Shape;143;p19"/>
+          <p:cNvPr descr="EscuelaIT Duoc UC - Escuela de Informática y Telecomunicaciones Duoc UC - Duoc  UC | LinkedIn" id="144" name="Google Shape;144;p19"/>
           <p:cNvPicPr preferRelativeResize="0"/>
           <p:nvPr/>
         </p:nvPicPr>
@@ -16366,7 +16498,7 @@
       </p:pic>
       <p:sp>
         <p:nvSpPr>
-          <p:cNvPr id="144" name="Google Shape;144;p19"/>
+          <p:cNvPr id="145" name="Google Shape;145;p19"/>
           <p:cNvSpPr txBox="1"/>
           <p:nvPr/>
         </p:nvSpPr>
@@ -16412,7 +16544,7 @@
                 <a:cs typeface="Calibri"/>
                 <a:sym typeface="Calibri"/>
               </a:rPr>
-              <a:t>PROYECTO “Meals”</a:t>
+              <a:t>PROYECTO “FitMeal”</a:t>
             </a:r>
             <a:endParaRPr/>
           </a:p>
@@ -16420,13 +16552,13 @@
       </p:sp>
       <p:sp>
         <p:nvSpPr>
-          <p:cNvPr id="145" name="Google Shape;145;p19"/>
+          <p:cNvPr id="146" name="Google Shape;146;p19"/>
           <p:cNvSpPr txBox="1"/>
           <p:nvPr/>
         </p:nvSpPr>
         <p:spPr>
           <a:xfrm>
-            <a:off x="1" y="1155656"/>
+            <a:off x="1" y="1140344"/>
             <a:ext cx="12192000" cy="800400"/>
           </a:xfrm>
           <a:prstGeom prst="rect">
@@ -16493,7 +16625,7 @@
       </p:sp>
       <p:cxnSp>
         <p:nvCxnSpPr>
-          <p:cNvPr id="146" name="Google Shape;146;p19"/>
+          <p:cNvPr id="147" name="Google Shape;147;p19"/>
           <p:cNvCxnSpPr/>
           <p:nvPr/>
         </p:nvCxnSpPr>
@@ -16519,7 +16651,7 @@
       </p:cxnSp>
       <p:graphicFrame>
         <p:nvGraphicFramePr>
-          <p:cNvPr id="147" name="Google Shape;147;p19"/>
+          <p:cNvPr id="148" name="Google Shape;148;p19"/>
           <p:cNvGraphicFramePr/>
           <p:nvPr/>
         </p:nvGraphicFramePr>
@@ -16532,7 +16664,7 @@
             <a:tbl>
               <a:tblPr>
                 <a:noFill/>
-                <a:tableStyleId>{3AC52895-D83C-442E-9477-A69ECC6186DE}</a:tableStyleId>
+                <a:tableStyleId>{39D84110-450F-408A-B2D6-C4049146D4C3}</a:tableStyleId>
               </a:tblPr>
               <a:tblGrid>
                 <a:gridCol w="1243225"/>
@@ -17053,7 +17185,7 @@
   <p:cSld>
     <p:spTree>
       <p:nvGrpSpPr>
-        <p:cNvPr id="151" name="Shape 151"/>
+        <p:cNvPr id="152" name="Shape 152"/>
         <p:cNvGrpSpPr/>
         <p:nvPr/>
       </p:nvGrpSpPr>
@@ -17067,7 +17199,7 @@
       </p:grpSpPr>
       <p:pic>
         <p:nvPicPr>
-          <p:cNvPr descr="EscuelaIT Duoc UC - Escuela de Informática y Telecomunicaciones Duoc UC - Duoc  UC | LinkedIn" id="152" name="Google Shape;152;p20"/>
+          <p:cNvPr descr="EscuelaIT Duoc UC - Escuela de Informática y Telecomunicaciones Duoc UC - Duoc  UC | LinkedIn" id="153" name="Google Shape;153;p20"/>
           <p:cNvPicPr preferRelativeResize="0"/>
           <p:nvPr/>
         </p:nvPicPr>
@@ -17094,7 +17226,7 @@
       </p:pic>
       <p:sp>
         <p:nvSpPr>
-          <p:cNvPr id="153" name="Google Shape;153;p20"/>
+          <p:cNvPr id="154" name="Google Shape;154;p20"/>
           <p:cNvSpPr txBox="1"/>
           <p:nvPr/>
         </p:nvSpPr>
@@ -17148,7 +17280,7 @@
       </p:sp>
       <p:sp>
         <p:nvSpPr>
-          <p:cNvPr id="154" name="Google Shape;154;p20"/>
+          <p:cNvPr id="155" name="Google Shape;155;p20"/>
           <p:cNvSpPr txBox="1"/>
           <p:nvPr/>
         </p:nvSpPr>
@@ -17222,7 +17354,7 @@
       </p:sp>
       <p:cxnSp>
         <p:nvCxnSpPr>
-          <p:cNvPr id="155" name="Google Shape;155;p20"/>
+          <p:cNvPr id="156" name="Google Shape;156;p20"/>
           <p:cNvCxnSpPr/>
           <p:nvPr/>
         </p:nvCxnSpPr>
@@ -17248,7 +17380,7 @@
       </p:cxnSp>
       <p:pic>
         <p:nvPicPr>
-          <p:cNvPr id="156" name="Google Shape;156;p20" title="Arquitectura de Software.png"/>
+          <p:cNvPr id="157" name="Google Shape;157;p20" title="Arquitectura de Software.png"/>
           <p:cNvPicPr preferRelativeResize="0"/>
           <p:nvPr/>
         </p:nvPicPr>
@@ -17287,7 +17419,7 @@
   <p:cSld>
     <p:spTree>
       <p:nvGrpSpPr>
-        <p:cNvPr id="160" name="Shape 160"/>
+        <p:cNvPr id="161" name="Shape 161"/>
         <p:cNvGrpSpPr/>
         <p:nvPr/>
       </p:nvGrpSpPr>
@@ -17301,7 +17433,7 @@
       </p:grpSpPr>
       <p:pic>
         <p:nvPicPr>
-          <p:cNvPr descr="EscuelaIT Duoc UC - Escuela de Informática y Telecomunicaciones Duoc UC - Duoc  UC | LinkedIn" id="161" name="Google Shape;161;p21"/>
+          <p:cNvPr descr="EscuelaIT Duoc UC - Escuela de Informática y Telecomunicaciones Duoc UC - Duoc  UC | LinkedIn" id="162" name="Google Shape;162;p21"/>
           <p:cNvPicPr preferRelativeResize="0"/>
           <p:nvPr/>
         </p:nvPicPr>
@@ -17328,7 +17460,7 @@
       </p:pic>
       <p:sp>
         <p:nvSpPr>
-          <p:cNvPr id="162" name="Google Shape;162;p21"/>
+          <p:cNvPr id="163" name="Google Shape;163;p21"/>
           <p:cNvSpPr txBox="1"/>
           <p:nvPr/>
         </p:nvSpPr>
@@ -17382,7 +17514,7 @@
       </p:sp>
       <p:sp>
         <p:nvSpPr>
-          <p:cNvPr id="163" name="Google Shape;163;p21"/>
+          <p:cNvPr id="164" name="Google Shape;164;p21"/>
           <p:cNvSpPr txBox="1"/>
           <p:nvPr/>
         </p:nvSpPr>
@@ -17432,7 +17564,7 @@
       </p:sp>
       <p:cxnSp>
         <p:nvCxnSpPr>
-          <p:cNvPr id="164" name="Google Shape;164;p21"/>
+          <p:cNvPr id="165" name="Google Shape;165;p21"/>
           <p:cNvCxnSpPr/>
           <p:nvPr/>
         </p:nvCxnSpPr>
@@ -17458,7 +17590,7 @@
       </p:cxnSp>
       <p:pic>
         <p:nvPicPr>
-          <p:cNvPr id="165" name="Google Shape;165;p21" title="Diagrama en blanco.png"/>
+          <p:cNvPr id="166" name="Google Shape;166;p21" title="Diagrama en blanco.png"/>
           <p:cNvPicPr preferRelativeResize="0"/>
           <p:nvPr/>
         </p:nvPicPr>
@@ -17493,6 +17625,285 @@
 </file>
 
 <file path=ppt/theme/theme1.xml><?xml version="1.0" encoding="utf-8"?>
+<a:theme xmlns:a="http://schemas.openxmlformats.org/drawingml/2006/main" xmlns:r="http://schemas.openxmlformats.org/officeDocument/2006/relationships" name="Tema de Office">
+  <a:themeElements>
+    <a:clrScheme name="Office">
+      <a:dk1>
+        <a:srgbClr val="000000"/>
+      </a:dk1>
+      <a:lt1>
+        <a:srgbClr val="FFFFFF"/>
+      </a:lt1>
+      <a:dk2>
+        <a:srgbClr val="44546A"/>
+      </a:dk2>
+      <a:lt2>
+        <a:srgbClr val="E7E6E6"/>
+      </a:lt2>
+      <a:accent1>
+        <a:srgbClr val="4472C4"/>
+      </a:accent1>
+      <a:accent2>
+        <a:srgbClr val="ED7D31"/>
+      </a:accent2>
+      <a:accent3>
+        <a:srgbClr val="A5A5A5"/>
+      </a:accent3>
+      <a:accent4>
+        <a:srgbClr val="FFC000"/>
+      </a:accent4>
+      <a:accent5>
+        <a:srgbClr val="5B9BD5"/>
+      </a:accent5>
+      <a:accent6>
+        <a:srgbClr val="70AD47"/>
+      </a:accent6>
+      <a:hlink>
+        <a:srgbClr val="0563C1"/>
+      </a:hlink>
+      <a:folHlink>
+        <a:srgbClr val="954F72"/>
+      </a:folHlink>
+    </a:clrScheme>
+    <a:fontScheme name="Office">
+      <a:majorFont>
+        <a:latin typeface="Arial"/>
+        <a:ea typeface=""/>
+        <a:cs typeface=""/>
+        <a:font script="Jpan" typeface="ＭＳ Ｐゴシック"/>
+        <a:font script="Hang" typeface="맑은 고딕"/>
+        <a:font script="Hans" typeface="宋体"/>
+        <a:font script="Hant" typeface="新細明體"/>
+        <a:font script="Arab" typeface="Times New Roman"/>
+        <a:font script="Hebr" typeface="Times New Roman"/>
+        <a:font script="Thai" typeface="Angsana New"/>
+        <a:font script="Ethi" typeface="Nyala"/>
+        <a:font script="Beng" typeface="Vrinda"/>
+        <a:font script="Gujr" typeface="Shruti"/>
+        <a:font script="Khmr" typeface="MoolBoran"/>
+        <a:font script="Knda" typeface="Tunga"/>
+        <a:font script="Guru" typeface="Raavi"/>
+        <a:font script="Cans" typeface="Euphemia"/>
+        <a:font script="Cher" typeface="Plantagenet Cherokee"/>
+        <a:font script="Yiii" typeface="Microsoft Yi Baiti"/>
+        <a:font script="Tibt" typeface="Microsoft Himalaya"/>
+        <a:font script="Thaa" typeface="MV Boli"/>
+        <a:font script="Deva" typeface="Mangal"/>
+        <a:font script="Telu" typeface="Gautami"/>
+        <a:font script="Taml" typeface="Latha"/>
+        <a:font script="Syrc" typeface="Estrangelo Edessa"/>
+        <a:font script="Orya" typeface="Kalinga"/>
+        <a:font script="Mlym" typeface="Kartika"/>
+        <a:font script="Laoo" typeface="DokChampa"/>
+        <a:font script="Sinh" typeface="Iskoola Pota"/>
+        <a:font script="Mong" typeface="Mongolian Baiti"/>
+        <a:font script="Viet" typeface="Times New Roman"/>
+        <a:font script="Uigh" typeface="Microsoft Uighur"/>
+        <a:font script="Geor" typeface="Sylfaen"/>
+      </a:majorFont>
+      <a:minorFont>
+        <a:latin typeface="Arial"/>
+        <a:ea typeface=""/>
+        <a:cs typeface=""/>
+        <a:font script="Jpan" typeface="ＭＳ Ｐゴシック"/>
+        <a:font script="Hang" typeface="맑은 고딕"/>
+        <a:font script="Hans" typeface="宋体"/>
+        <a:font script="Hant" typeface="新細明體"/>
+        <a:font script="Arab" typeface="Arial"/>
+        <a:font script="Hebr" typeface="Arial"/>
+        <a:font script="Thai" typeface="Cordia New"/>
+        <a:font script="Ethi" typeface="Nyala"/>
+        <a:font script="Beng" typeface="Vrinda"/>
+        <a:font script="Gujr" typeface="Shruti"/>
+        <a:font script="Khmr" typeface="DaunPenh"/>
+        <a:font script="Knda" typeface="Tunga"/>
+        <a:font script="Guru" typeface="Raavi"/>
+        <a:font script="Cans" typeface="Euphemia"/>
+        <a:font script="Cher" typeface="Plantagenet Cherokee"/>
+        <a:font script="Yiii" typeface="Microsoft Yi Baiti"/>
+        <a:font script="Tibt" typeface="Microsoft Himalaya"/>
+        <a:font script="Thaa" typeface="MV Boli"/>
+        <a:font script="Deva" typeface="Mangal"/>
+        <a:font script="Telu" typeface="Gautami"/>
+        <a:font script="Taml" typeface="Latha"/>
+        <a:font script="Syrc" typeface="Estrangelo Edessa"/>
+        <a:font script="Orya" typeface="Kalinga"/>
+        <a:font script="Mlym" typeface="Kartika"/>
+        <a:font script="Laoo" typeface="DokChampa"/>
+        <a:font script="Sinh" typeface="Iskoola Pota"/>
+        <a:font script="Mong" typeface="Mongolian Baiti"/>
+        <a:font script="Viet" typeface="Arial"/>
+        <a:font script="Uigh" typeface="Microsoft Uighur"/>
+        <a:font script="Geor" typeface="Sylfaen"/>
+      </a:minorFont>
+    </a:fontScheme>
+    <a:fmtScheme name="Office">
+      <a:fillStyleLst>
+        <a:solidFill>
+          <a:schemeClr val="phClr"/>
+        </a:solidFill>
+        <a:gradFill rotWithShape="1">
+          <a:gsLst>
+            <a:gs pos="0">
+              <a:schemeClr val="phClr">
+                <a:tint val="50000"/>
+                <a:satMod val="300000"/>
+              </a:schemeClr>
+            </a:gs>
+            <a:gs pos="35000">
+              <a:schemeClr val="phClr">
+                <a:tint val="37000"/>
+                <a:satMod val="300000"/>
+              </a:schemeClr>
+            </a:gs>
+            <a:gs pos="100000">
+              <a:schemeClr val="phClr">
+                <a:tint val="15000"/>
+                <a:satMod val="350000"/>
+              </a:schemeClr>
+            </a:gs>
+          </a:gsLst>
+          <a:lin ang="16200000" scaled="1"/>
+        </a:gradFill>
+        <a:gradFill rotWithShape="1">
+          <a:gsLst>
+            <a:gs pos="0">
+              <a:schemeClr val="phClr">
+                <a:tint val="100000"/>
+                <a:shade val="100000"/>
+                <a:satMod val="130000"/>
+              </a:schemeClr>
+            </a:gs>
+            <a:gs pos="100000">
+              <a:schemeClr val="phClr">
+                <a:tint val="50000"/>
+                <a:shade val="100000"/>
+                <a:satMod val="350000"/>
+              </a:schemeClr>
+            </a:gs>
+          </a:gsLst>
+          <a:lin ang="16200000" scaled="0"/>
+        </a:gradFill>
+      </a:fillStyleLst>
+      <a:lnStyleLst>
+        <a:ln w="9525" cap="flat" cmpd="sng" algn="ctr">
+          <a:solidFill>
+            <a:schemeClr val="phClr">
+              <a:shade val="95000"/>
+              <a:satMod val="105000"/>
+            </a:schemeClr>
+          </a:solidFill>
+          <a:prstDash val="solid"/>
+        </a:ln>
+        <a:ln w="25400" cap="flat" cmpd="sng" algn="ctr">
+          <a:solidFill>
+            <a:schemeClr val="phClr"/>
+          </a:solidFill>
+          <a:prstDash val="solid"/>
+        </a:ln>
+        <a:ln w="38100" cap="flat" cmpd="sng" algn="ctr">
+          <a:solidFill>
+            <a:schemeClr val="phClr"/>
+          </a:solidFill>
+          <a:prstDash val="solid"/>
+        </a:ln>
+      </a:lnStyleLst>
+      <a:effectStyleLst>
+        <a:effectStyle>
+          <a:effectLst>
+            <a:outerShdw blurRad="40000" dist="20000" dir="5400000" rotWithShape="0">
+              <a:srgbClr val="000000">
+                <a:alpha val="38000"/>
+              </a:srgbClr>
+            </a:outerShdw>
+          </a:effectLst>
+        </a:effectStyle>
+        <a:effectStyle>
+          <a:effectLst>
+            <a:outerShdw blurRad="40000" dist="23000" dir="5400000" rotWithShape="0">
+              <a:srgbClr val="000000">
+                <a:alpha val="35000"/>
+              </a:srgbClr>
+            </a:outerShdw>
+          </a:effectLst>
+        </a:effectStyle>
+        <a:effectStyle>
+          <a:effectLst>
+            <a:outerShdw blurRad="40000" dist="23000" dir="5400000" rotWithShape="0">
+              <a:srgbClr val="000000">
+                <a:alpha val="35000"/>
+              </a:srgbClr>
+            </a:outerShdw>
+          </a:effectLst>
+          <a:scene3d>
+            <a:camera prst="orthographicFront">
+              <a:rot lat="0" lon="0" rev="0"/>
+            </a:camera>
+            <a:lightRig rig="threePt" dir="t">
+              <a:rot lat="0" lon="0" rev="1200000"/>
+            </a:lightRig>
+          </a:scene3d>
+          <a:sp3d>
+            <a:bevelT w="63500" h="25400"/>
+          </a:sp3d>
+        </a:effectStyle>
+      </a:effectStyleLst>
+      <a:bgFillStyleLst>
+        <a:solidFill>
+          <a:schemeClr val="phClr"/>
+        </a:solidFill>
+        <a:gradFill rotWithShape="1">
+          <a:gsLst>
+            <a:gs pos="0">
+              <a:schemeClr val="phClr">
+                <a:tint val="40000"/>
+                <a:satMod val="350000"/>
+              </a:schemeClr>
+            </a:gs>
+            <a:gs pos="40000">
+              <a:schemeClr val="phClr">
+                <a:tint val="45000"/>
+                <a:shade val="99000"/>
+                <a:satMod val="350000"/>
+              </a:schemeClr>
+            </a:gs>
+            <a:gs pos="100000">
+              <a:schemeClr val="phClr">
+                <a:shade val="20000"/>
+                <a:satMod val="255000"/>
+              </a:schemeClr>
+            </a:gs>
+          </a:gsLst>
+          <a:path path="circle">
+            <a:fillToRect l="50000" t="-80000" r="50000" b="180000"/>
+          </a:path>
+        </a:gradFill>
+        <a:gradFill rotWithShape="1">
+          <a:gsLst>
+            <a:gs pos="0">
+              <a:schemeClr val="phClr">
+                <a:tint val="80000"/>
+                <a:satMod val="300000"/>
+              </a:schemeClr>
+            </a:gs>
+            <a:gs pos="100000">
+              <a:schemeClr val="phClr">
+                <a:shade val="30000"/>
+                <a:satMod val="200000"/>
+              </a:schemeClr>
+            </a:gs>
+          </a:gsLst>
+          <a:path path="circle">
+            <a:fillToRect l="50000" t="50000" r="50000" b="50000"/>
+          </a:path>
+        </a:gradFill>
+      </a:bgFillStyleLst>
+    </a:fmtScheme>
+  </a:themeElements>
+</a:theme>
+</file>
+
+<file path=ppt/theme/theme2.xml><?xml version="1.0" encoding="utf-8"?>
 <a:theme xmlns:a="http://schemas.openxmlformats.org/drawingml/2006/main" xmlns:r="http://schemas.openxmlformats.org/officeDocument/2006/relationships">
   <a:themeElements>
     <a:clrScheme name="Default">
@@ -17769,283 +18180,4 @@
     </a:fmtScheme>
   </a:themeElements>
 </a:theme>
-</file>
-
-<file path=ppt/theme/theme2.xml><?xml version="1.0" encoding="utf-8"?>
-<a:theme xmlns:a="http://schemas.openxmlformats.org/drawingml/2006/main" xmlns:r="http://schemas.openxmlformats.org/officeDocument/2006/relationships" name="Tema de Office">
-  <a:themeElements>
-    <a:clrScheme name="Office">
-      <a:dk1>
-        <a:srgbClr val="000000"/>
-      </a:dk1>
-      <a:lt1>
-        <a:srgbClr val="FFFFFF"/>
-      </a:lt1>
-      <a:dk2>
-        <a:srgbClr val="44546A"/>
-      </a:dk2>
-      <a:lt2>
-        <a:srgbClr val="E7E6E6"/>
-      </a:lt2>
-      <a:accent1>
-        <a:srgbClr val="4472C4"/>
-      </a:accent1>
-      <a:accent2>
-        <a:srgbClr val="ED7D31"/>
-      </a:accent2>
-      <a:accent3>
-        <a:srgbClr val="A5A5A5"/>
-      </a:accent3>
-      <a:accent4>
-        <a:srgbClr val="FFC000"/>
-      </a:accent4>
-      <a:accent5>
-        <a:srgbClr val="5B9BD5"/>
-      </a:accent5>
-      <a:accent6>
-        <a:srgbClr val="70AD47"/>
-      </a:accent6>
-      <a:hlink>
-        <a:srgbClr val="0563C1"/>
-      </a:hlink>
-      <a:folHlink>
-        <a:srgbClr val="954F72"/>
-      </a:folHlink>
-    </a:clrScheme>
-    <a:fontScheme name="Office">
-      <a:majorFont>
-        <a:latin typeface="Arial"/>
-        <a:ea typeface=""/>
-        <a:cs typeface=""/>
-        <a:font script="Jpan" typeface="ＭＳ Ｐゴシック"/>
-        <a:font script="Hang" typeface="맑은 고딕"/>
-        <a:font script="Hans" typeface="宋体"/>
-        <a:font script="Hant" typeface="新細明體"/>
-        <a:font script="Arab" typeface="Times New Roman"/>
-        <a:font script="Hebr" typeface="Times New Roman"/>
-        <a:font script="Thai" typeface="Angsana New"/>
-        <a:font script="Ethi" typeface="Nyala"/>
-        <a:font script="Beng" typeface="Vrinda"/>
-        <a:font script="Gujr" typeface="Shruti"/>
-        <a:font script="Khmr" typeface="MoolBoran"/>
-        <a:font script="Knda" typeface="Tunga"/>
-        <a:font script="Guru" typeface="Raavi"/>
-        <a:font script="Cans" typeface="Euphemia"/>
-        <a:font script="Cher" typeface="Plantagenet Cherokee"/>
-        <a:font script="Yiii" typeface="Microsoft Yi Baiti"/>
-        <a:font script="Tibt" typeface="Microsoft Himalaya"/>
-        <a:font script="Thaa" typeface="MV Boli"/>
-        <a:font script="Deva" typeface="Mangal"/>
-        <a:font script="Telu" typeface="Gautami"/>
-        <a:font script="Taml" typeface="Latha"/>
-        <a:font script="Syrc" typeface="Estrangelo Edessa"/>
-        <a:font script="Orya" typeface="Kalinga"/>
-        <a:font script="Mlym" typeface="Kartika"/>
-        <a:font script="Laoo" typeface="DokChampa"/>
-        <a:font script="Sinh" typeface="Iskoola Pota"/>
-        <a:font script="Mong" typeface="Mongolian Baiti"/>
-        <a:font script="Viet" typeface="Times New Roman"/>
-        <a:font script="Uigh" typeface="Microsoft Uighur"/>
-        <a:font script="Geor" typeface="Sylfaen"/>
-      </a:majorFont>
-      <a:minorFont>
-        <a:latin typeface="Arial"/>
-        <a:ea typeface=""/>
-        <a:cs typeface=""/>
-        <a:font script="Jpan" typeface="ＭＳ Ｐゴシック"/>
-        <a:font script="Hang" typeface="맑은 고딕"/>
-        <a:font script="Hans" typeface="宋体"/>
-        <a:font script="Hant" typeface="新細明體"/>
-        <a:font script="Arab" typeface="Arial"/>
-        <a:font script="Hebr" typeface="Arial"/>
-        <a:font script="Thai" typeface="Cordia New"/>
-        <a:font script="Ethi" typeface="Nyala"/>
-        <a:font script="Beng" typeface="Vrinda"/>
-        <a:font script="Gujr" typeface="Shruti"/>
-        <a:font script="Khmr" typeface="DaunPenh"/>
-        <a:font script="Knda" typeface="Tunga"/>
-        <a:font script="Guru" typeface="Raavi"/>
-        <a:font script="Cans" typeface="Euphemia"/>
-        <a:font script="Cher" typeface="Plantagenet Cherokee"/>
-        <a:font script="Yiii" typeface="Microsoft Yi Baiti"/>
-        <a:font script="Tibt" typeface="Microsoft Himalaya"/>
-        <a:font script="Thaa" typeface="MV Boli"/>
-        <a:font script="Deva" typeface="Mangal"/>
-        <a:font script="Telu" typeface="Gautami"/>
-        <a:font script="Taml" typeface="Latha"/>
-        <a:font script="Syrc" typeface="Estrangelo Edessa"/>
-        <a:font script="Orya" typeface="Kalinga"/>
-        <a:font script="Mlym" typeface="Kartika"/>
-        <a:font script="Laoo" typeface="DokChampa"/>
-        <a:font script="Sinh" typeface="Iskoola Pota"/>
-        <a:font script="Mong" typeface="Mongolian Baiti"/>
-        <a:font script="Viet" typeface="Arial"/>
-        <a:font script="Uigh" typeface="Microsoft Uighur"/>
-        <a:font script="Geor" typeface="Sylfaen"/>
-      </a:minorFont>
-    </a:fontScheme>
-    <a:fmtScheme name="Office">
-      <a:fillStyleLst>
-        <a:solidFill>
-          <a:schemeClr val="phClr"/>
-        </a:solidFill>
-        <a:gradFill rotWithShape="1">
-          <a:gsLst>
-            <a:gs pos="0">
-              <a:schemeClr val="phClr">
-                <a:tint val="50000"/>
-                <a:satMod val="300000"/>
-              </a:schemeClr>
-            </a:gs>
-            <a:gs pos="35000">
-              <a:schemeClr val="phClr">
-                <a:tint val="37000"/>
-                <a:satMod val="300000"/>
-              </a:schemeClr>
-            </a:gs>
-            <a:gs pos="100000">
-              <a:schemeClr val="phClr">
-                <a:tint val="15000"/>
-                <a:satMod val="350000"/>
-              </a:schemeClr>
-            </a:gs>
-          </a:gsLst>
-          <a:lin ang="16200000" scaled="1"/>
-        </a:gradFill>
-        <a:gradFill rotWithShape="1">
-          <a:gsLst>
-            <a:gs pos="0">
-              <a:schemeClr val="phClr">
-                <a:tint val="100000"/>
-                <a:shade val="100000"/>
-                <a:satMod val="130000"/>
-              </a:schemeClr>
-            </a:gs>
-            <a:gs pos="100000">
-              <a:schemeClr val="phClr">
-                <a:tint val="50000"/>
-                <a:shade val="100000"/>
-                <a:satMod val="350000"/>
-              </a:schemeClr>
-            </a:gs>
-          </a:gsLst>
-          <a:lin ang="16200000" scaled="0"/>
-        </a:gradFill>
-      </a:fillStyleLst>
-      <a:lnStyleLst>
-        <a:ln w="9525" cap="flat" cmpd="sng" algn="ctr">
-          <a:solidFill>
-            <a:schemeClr val="phClr">
-              <a:shade val="95000"/>
-              <a:satMod val="105000"/>
-            </a:schemeClr>
-          </a:solidFill>
-          <a:prstDash val="solid"/>
-        </a:ln>
-        <a:ln w="25400" cap="flat" cmpd="sng" algn="ctr">
-          <a:solidFill>
-            <a:schemeClr val="phClr"/>
-          </a:solidFill>
-          <a:prstDash val="solid"/>
-        </a:ln>
-        <a:ln w="38100" cap="flat" cmpd="sng" algn="ctr">
-          <a:solidFill>
-            <a:schemeClr val="phClr"/>
-          </a:solidFill>
-          <a:prstDash val="solid"/>
-        </a:ln>
-      </a:lnStyleLst>
-      <a:effectStyleLst>
-        <a:effectStyle>
-          <a:effectLst>
-            <a:outerShdw blurRad="40000" dist="20000" dir="5400000" rotWithShape="0">
-              <a:srgbClr val="000000">
-                <a:alpha val="38000"/>
-              </a:srgbClr>
-            </a:outerShdw>
-          </a:effectLst>
-        </a:effectStyle>
-        <a:effectStyle>
-          <a:effectLst>
-            <a:outerShdw blurRad="40000" dist="23000" dir="5400000" rotWithShape="0">
-              <a:srgbClr val="000000">
-                <a:alpha val="35000"/>
-              </a:srgbClr>
-            </a:outerShdw>
-          </a:effectLst>
-        </a:effectStyle>
-        <a:effectStyle>
-          <a:effectLst>
-            <a:outerShdw blurRad="40000" dist="23000" dir="5400000" rotWithShape="0">
-              <a:srgbClr val="000000">
-                <a:alpha val="35000"/>
-              </a:srgbClr>
-            </a:outerShdw>
-          </a:effectLst>
-          <a:scene3d>
-            <a:camera prst="orthographicFront">
-              <a:rot lat="0" lon="0" rev="0"/>
-            </a:camera>
-            <a:lightRig rig="threePt" dir="t">
-              <a:rot lat="0" lon="0" rev="1200000"/>
-            </a:lightRig>
-          </a:scene3d>
-          <a:sp3d>
-            <a:bevelT w="63500" h="25400"/>
-          </a:sp3d>
-        </a:effectStyle>
-      </a:effectStyleLst>
-      <a:bgFillStyleLst>
-        <a:solidFill>
-          <a:schemeClr val="phClr"/>
-        </a:solidFill>
-        <a:gradFill rotWithShape="1">
-          <a:gsLst>
-            <a:gs pos="0">
-              <a:schemeClr val="phClr">
-                <a:tint val="40000"/>
-                <a:satMod val="350000"/>
-              </a:schemeClr>
-            </a:gs>
-            <a:gs pos="40000">
-              <a:schemeClr val="phClr">
-                <a:tint val="45000"/>
-                <a:shade val="99000"/>
-                <a:satMod val="350000"/>
-              </a:schemeClr>
-            </a:gs>
-            <a:gs pos="100000">
-              <a:schemeClr val="phClr">
-                <a:shade val="20000"/>
-                <a:satMod val="255000"/>
-              </a:schemeClr>
-            </a:gs>
-          </a:gsLst>
-          <a:path path="circle">
-            <a:fillToRect l="50000" t="-80000" r="50000" b="180000"/>
-          </a:path>
-        </a:gradFill>
-        <a:gradFill rotWithShape="1">
-          <a:gsLst>
-            <a:gs pos="0">
-              <a:schemeClr val="phClr">
-                <a:tint val="80000"/>
-                <a:satMod val="300000"/>
-              </a:schemeClr>
-            </a:gs>
-            <a:gs pos="100000">
-              <a:schemeClr val="phClr">
-                <a:shade val="30000"/>
-                <a:satMod val="200000"/>
-              </a:schemeClr>
-            </a:gs>
-          </a:gsLst>
-          <a:path path="circle">
-            <a:fillToRect l="50000" t="50000" r="50000" b="50000"/>
-          </a:path>
-        </a:gradFill>
-      </a:bgFillStyleLst>
-    </a:fmtScheme>
-  </a:themeElements>
-</a:theme>
 </file>